--- a/Team-CSA-5-Aurora-Borealis-Detection.pptx
+++ b/Team-CSA-5-Aurora-Borealis-Detection.pptx
@@ -5,16 +5,15 @@
     <p:sldMasterId id="2147483648" r:id="rId1"/>
   </p:sldMasterIdLst>
   <p:notesMasterIdLst>
-    <p:notesMasterId r:id="rId9"/>
+    <p:notesMasterId r:id="rId8"/>
   </p:notesMasterIdLst>
   <p:sldIdLst>
     <p:sldId id="256" r:id="rId2"/>
-    <p:sldId id="257" r:id="rId3"/>
-    <p:sldId id="258" r:id="rId4"/>
-    <p:sldId id="259" r:id="rId5"/>
-    <p:sldId id="260" r:id="rId6"/>
-    <p:sldId id="261" r:id="rId7"/>
-    <p:sldId id="264" r:id="rId8"/>
+    <p:sldId id="258" r:id="rId3"/>
+    <p:sldId id="259" r:id="rId4"/>
+    <p:sldId id="260" r:id="rId5"/>
+    <p:sldId id="261" r:id="rId6"/>
+    <p:sldId id="264" r:id="rId7"/>
   </p:sldIdLst>
   <p:sldSz cx="12192000" cy="6858000"/>
   <p:notesSz cx="6858000" cy="9144000"/>
@@ -588,7 +587,7 @@
           <a:p>
             <a:fld id="{A061A7F8-3D30-4D32-800A-40261763028D}" type="slidenum">
               <a:rPr lang="en-CA" smtClean="0"/>
-              <a:t>3</a:t>
+              <a:t>2</a:t>
             </a:fld>
             <a:endParaRPr lang="en-CA"/>
           </a:p>
@@ -797,7 +796,7 @@
           <a:p>
             <a:fld id="{A061A7F8-3D30-4D32-800A-40261763028D}" type="slidenum">
               <a:rPr lang="en-CA" smtClean="0"/>
-              <a:t>4</a:t>
+              <a:t>3</a:t>
             </a:fld>
             <a:endParaRPr lang="en-CA"/>
           </a:p>
@@ -1008,7 +1007,7 @@
           <a:p>
             <a:fld id="{A061A7F8-3D30-4D32-800A-40261763028D}" type="slidenum">
               <a:rPr lang="en-CA" smtClean="0"/>
-              <a:t>5</a:t>
+              <a:t>4</a:t>
             </a:fld>
             <a:endParaRPr lang="en-CA"/>
           </a:p>
@@ -1118,7 +1117,7 @@
           <a:p>
             <a:fld id="{A061A7F8-3D30-4D32-800A-40261763028D}" type="slidenum">
               <a:rPr lang="en-CA" smtClean="0"/>
-              <a:t>6</a:t>
+              <a:t>5</a:t>
             </a:fld>
             <a:endParaRPr lang="en-CA"/>
           </a:p>
@@ -1225,7 +1224,7 @@
           <a:p>
             <a:fld id="{A061A7F8-3D30-4D32-800A-40261763028D}" type="slidenum">
               <a:rPr lang="en-CA" smtClean="0"/>
-              <a:t>7</a:t>
+              <a:t>6</a:t>
             </a:fld>
             <a:endParaRPr lang="en-CA"/>
           </a:p>
@@ -1266,7 +1265,7 @@
           <p:cNvPr id="2" name="Title 1">
             <a:extLst>
               <a:ext uri="{FF2B5EF4-FFF2-40B4-BE49-F238E27FC236}">
-                <a16:creationId xmlns:a16="http://schemas.microsoft.com/office/drawing/2014/main" xmlns="" id="{845AEF5B-B28F-43A7-AA4E-CDE0484B5DC4}"/>
+                <a16:creationId xmlns="" xmlns:a16="http://schemas.microsoft.com/office/drawing/2014/main" id="{845AEF5B-B28F-43A7-AA4E-CDE0484B5DC4}"/>
               </a:ext>
             </a:extLst>
           </p:cNvPr>
@@ -1304,7 +1303,7 @@
           <p:cNvPr id="3" name="Subtitle 2">
             <a:extLst>
               <a:ext uri="{FF2B5EF4-FFF2-40B4-BE49-F238E27FC236}">
-                <a16:creationId xmlns:a16="http://schemas.microsoft.com/office/drawing/2014/main" xmlns="" id="{E78EE15D-69D8-4DBE-AD33-30B43DB679EA}"/>
+                <a16:creationId xmlns="" xmlns:a16="http://schemas.microsoft.com/office/drawing/2014/main" id="{E78EE15D-69D8-4DBE-AD33-30B43DB679EA}"/>
               </a:ext>
             </a:extLst>
           </p:cNvPr>
@@ -1375,7 +1374,7 @@
           <p:cNvPr id="4" name="Date Placeholder 3">
             <a:extLst>
               <a:ext uri="{FF2B5EF4-FFF2-40B4-BE49-F238E27FC236}">
-                <a16:creationId xmlns:a16="http://schemas.microsoft.com/office/drawing/2014/main" xmlns="" id="{A9A9FED0-462E-48F1-A65D-1DA7B82FD32A}"/>
+                <a16:creationId xmlns="" xmlns:a16="http://schemas.microsoft.com/office/drawing/2014/main" id="{A9A9FED0-462E-48F1-A65D-1DA7B82FD32A}"/>
               </a:ext>
             </a:extLst>
           </p:cNvPr>
@@ -1404,7 +1403,7 @@
           <p:cNvPr id="5" name="Footer Placeholder 4">
             <a:extLst>
               <a:ext uri="{FF2B5EF4-FFF2-40B4-BE49-F238E27FC236}">
-                <a16:creationId xmlns:a16="http://schemas.microsoft.com/office/drawing/2014/main" xmlns="" id="{71296202-31B5-4837-9FA7-E62688A4119C}"/>
+                <a16:creationId xmlns="" xmlns:a16="http://schemas.microsoft.com/office/drawing/2014/main" id="{71296202-31B5-4837-9FA7-E62688A4119C}"/>
               </a:ext>
             </a:extLst>
           </p:cNvPr>
@@ -1429,7 +1428,7 @@
           <p:cNvPr id="6" name="Slide Number Placeholder 5">
             <a:extLst>
               <a:ext uri="{FF2B5EF4-FFF2-40B4-BE49-F238E27FC236}">
-                <a16:creationId xmlns:a16="http://schemas.microsoft.com/office/drawing/2014/main" xmlns="" id="{BA617697-0770-4ED2-AC3B-46F57F9EE2BE}"/>
+                <a16:creationId xmlns="" xmlns:a16="http://schemas.microsoft.com/office/drawing/2014/main" id="{BA617697-0770-4ED2-AC3B-46F57F9EE2BE}"/>
               </a:ext>
             </a:extLst>
           </p:cNvPr>
@@ -1488,7 +1487,7 @@
           <p:cNvPr id="2" name="Title 1">
             <a:extLst>
               <a:ext uri="{FF2B5EF4-FFF2-40B4-BE49-F238E27FC236}">
-                <a16:creationId xmlns:a16="http://schemas.microsoft.com/office/drawing/2014/main" xmlns="" id="{3626FE33-4A3E-4996-BBF7-013B036EE73B}"/>
+                <a16:creationId xmlns="" xmlns:a16="http://schemas.microsoft.com/office/drawing/2014/main" id="{3626FE33-4A3E-4996-BBF7-013B036EE73B}"/>
               </a:ext>
             </a:extLst>
           </p:cNvPr>
@@ -1517,7 +1516,7 @@
           <p:cNvPr id="3" name="Vertical Text Placeholder 2">
             <a:extLst>
               <a:ext uri="{FF2B5EF4-FFF2-40B4-BE49-F238E27FC236}">
-                <a16:creationId xmlns:a16="http://schemas.microsoft.com/office/drawing/2014/main" xmlns="" id="{BCFDB821-C4D0-4D58-B46C-88416CD2B630}"/>
+                <a16:creationId xmlns="" xmlns:a16="http://schemas.microsoft.com/office/drawing/2014/main" id="{BCFDB821-C4D0-4D58-B46C-88416CD2B630}"/>
               </a:ext>
             </a:extLst>
           </p:cNvPr>
@@ -1575,7 +1574,7 @@
           <p:cNvPr id="4" name="Date Placeholder 3">
             <a:extLst>
               <a:ext uri="{FF2B5EF4-FFF2-40B4-BE49-F238E27FC236}">
-                <a16:creationId xmlns:a16="http://schemas.microsoft.com/office/drawing/2014/main" xmlns="" id="{0CABC634-DB2C-49E7-BFAA-48FE7EEDC6C6}"/>
+                <a16:creationId xmlns="" xmlns:a16="http://schemas.microsoft.com/office/drawing/2014/main" id="{0CABC634-DB2C-49E7-BFAA-48FE7EEDC6C6}"/>
               </a:ext>
             </a:extLst>
           </p:cNvPr>
@@ -1604,7 +1603,7 @@
           <p:cNvPr id="5" name="Footer Placeholder 4">
             <a:extLst>
               <a:ext uri="{FF2B5EF4-FFF2-40B4-BE49-F238E27FC236}">
-                <a16:creationId xmlns:a16="http://schemas.microsoft.com/office/drawing/2014/main" xmlns="" id="{305C7EA9-A371-4037-9AE4-09BF080AE92A}"/>
+                <a16:creationId xmlns="" xmlns:a16="http://schemas.microsoft.com/office/drawing/2014/main" id="{305C7EA9-A371-4037-9AE4-09BF080AE92A}"/>
               </a:ext>
             </a:extLst>
           </p:cNvPr>
@@ -1629,7 +1628,7 @@
           <p:cNvPr id="6" name="Slide Number Placeholder 5">
             <a:extLst>
               <a:ext uri="{FF2B5EF4-FFF2-40B4-BE49-F238E27FC236}">
-                <a16:creationId xmlns:a16="http://schemas.microsoft.com/office/drawing/2014/main" xmlns="" id="{D005D687-774F-4677-AFCA-053327B3C852}"/>
+                <a16:creationId xmlns="" xmlns:a16="http://schemas.microsoft.com/office/drawing/2014/main" id="{D005D687-774F-4677-AFCA-053327B3C852}"/>
               </a:ext>
             </a:extLst>
           </p:cNvPr>
@@ -1688,7 +1687,7 @@
           <p:cNvPr id="2" name="Vertical Title 1">
             <a:extLst>
               <a:ext uri="{FF2B5EF4-FFF2-40B4-BE49-F238E27FC236}">
-                <a16:creationId xmlns:a16="http://schemas.microsoft.com/office/drawing/2014/main" xmlns="" id="{F75717D9-9657-4C87-BDD1-939CF73DE0CA}"/>
+                <a16:creationId xmlns="" xmlns:a16="http://schemas.microsoft.com/office/drawing/2014/main" id="{F75717D9-9657-4C87-BDD1-939CF73DE0CA}"/>
               </a:ext>
             </a:extLst>
           </p:cNvPr>
@@ -1722,7 +1721,7 @@
           <p:cNvPr id="3" name="Vertical Text Placeholder 2">
             <a:extLst>
               <a:ext uri="{FF2B5EF4-FFF2-40B4-BE49-F238E27FC236}">
-                <a16:creationId xmlns:a16="http://schemas.microsoft.com/office/drawing/2014/main" xmlns="" id="{524D2F5A-0E26-4DD9-827E-1EAC15EB32E2}"/>
+                <a16:creationId xmlns="" xmlns:a16="http://schemas.microsoft.com/office/drawing/2014/main" id="{524D2F5A-0E26-4DD9-827E-1EAC15EB32E2}"/>
               </a:ext>
             </a:extLst>
           </p:cNvPr>
@@ -1785,7 +1784,7 @@
           <p:cNvPr id="4" name="Date Placeholder 3">
             <a:extLst>
               <a:ext uri="{FF2B5EF4-FFF2-40B4-BE49-F238E27FC236}">
-                <a16:creationId xmlns:a16="http://schemas.microsoft.com/office/drawing/2014/main" xmlns="" id="{0280CC00-934E-4B33-BA06-4AA385E98E4A}"/>
+                <a16:creationId xmlns="" xmlns:a16="http://schemas.microsoft.com/office/drawing/2014/main" id="{0280CC00-934E-4B33-BA06-4AA385E98E4A}"/>
               </a:ext>
             </a:extLst>
           </p:cNvPr>
@@ -1814,7 +1813,7 @@
           <p:cNvPr id="5" name="Footer Placeholder 4">
             <a:extLst>
               <a:ext uri="{FF2B5EF4-FFF2-40B4-BE49-F238E27FC236}">
-                <a16:creationId xmlns:a16="http://schemas.microsoft.com/office/drawing/2014/main" xmlns="" id="{429F361A-E837-4829-B035-4BD1930CDCEA}"/>
+                <a16:creationId xmlns="" xmlns:a16="http://schemas.microsoft.com/office/drawing/2014/main" id="{429F361A-E837-4829-B035-4BD1930CDCEA}"/>
               </a:ext>
             </a:extLst>
           </p:cNvPr>
@@ -1839,7 +1838,7 @@
           <p:cNvPr id="6" name="Slide Number Placeholder 5">
             <a:extLst>
               <a:ext uri="{FF2B5EF4-FFF2-40B4-BE49-F238E27FC236}">
-                <a16:creationId xmlns:a16="http://schemas.microsoft.com/office/drawing/2014/main" xmlns="" id="{1D38987F-A7D1-4835-BC8C-964932298CF5}"/>
+                <a16:creationId xmlns="" xmlns:a16="http://schemas.microsoft.com/office/drawing/2014/main" id="{1D38987F-A7D1-4835-BC8C-964932298CF5}"/>
               </a:ext>
             </a:extLst>
           </p:cNvPr>
@@ -1898,7 +1897,7 @@
           <p:cNvPr id="2" name="Title 1">
             <a:extLst>
               <a:ext uri="{FF2B5EF4-FFF2-40B4-BE49-F238E27FC236}">
-                <a16:creationId xmlns:a16="http://schemas.microsoft.com/office/drawing/2014/main" xmlns="" id="{D556814E-9265-425C-BDD4-67C2B2D4F460}"/>
+                <a16:creationId xmlns="" xmlns:a16="http://schemas.microsoft.com/office/drawing/2014/main" id="{D556814E-9265-425C-BDD4-67C2B2D4F460}"/>
               </a:ext>
             </a:extLst>
           </p:cNvPr>
@@ -1927,7 +1926,7 @@
           <p:cNvPr id="3" name="Content Placeholder 2">
             <a:extLst>
               <a:ext uri="{FF2B5EF4-FFF2-40B4-BE49-F238E27FC236}">
-                <a16:creationId xmlns:a16="http://schemas.microsoft.com/office/drawing/2014/main" xmlns="" id="{0C61232E-280D-4DCF-A2AE-7CF06F8247FD}"/>
+                <a16:creationId xmlns="" xmlns:a16="http://schemas.microsoft.com/office/drawing/2014/main" id="{0C61232E-280D-4DCF-A2AE-7CF06F8247FD}"/>
               </a:ext>
             </a:extLst>
           </p:cNvPr>
@@ -1985,7 +1984,7 @@
           <p:cNvPr id="4" name="Date Placeholder 3">
             <a:extLst>
               <a:ext uri="{FF2B5EF4-FFF2-40B4-BE49-F238E27FC236}">
-                <a16:creationId xmlns:a16="http://schemas.microsoft.com/office/drawing/2014/main" xmlns="" id="{5E2C821A-51CE-4874-8C1D-9CE0A5A6EF8D}"/>
+                <a16:creationId xmlns="" xmlns:a16="http://schemas.microsoft.com/office/drawing/2014/main" id="{5E2C821A-51CE-4874-8C1D-9CE0A5A6EF8D}"/>
               </a:ext>
             </a:extLst>
           </p:cNvPr>
@@ -2014,7 +2013,7 @@
           <p:cNvPr id="5" name="Footer Placeholder 4">
             <a:extLst>
               <a:ext uri="{FF2B5EF4-FFF2-40B4-BE49-F238E27FC236}">
-                <a16:creationId xmlns:a16="http://schemas.microsoft.com/office/drawing/2014/main" xmlns="" id="{850DA9D9-7C53-4A39-91CB-224B4725B197}"/>
+                <a16:creationId xmlns="" xmlns:a16="http://schemas.microsoft.com/office/drawing/2014/main" id="{850DA9D9-7C53-4A39-91CB-224B4725B197}"/>
               </a:ext>
             </a:extLst>
           </p:cNvPr>
@@ -2039,7 +2038,7 @@
           <p:cNvPr id="6" name="Slide Number Placeholder 5">
             <a:extLst>
               <a:ext uri="{FF2B5EF4-FFF2-40B4-BE49-F238E27FC236}">
-                <a16:creationId xmlns:a16="http://schemas.microsoft.com/office/drawing/2014/main" xmlns="" id="{732293E4-6737-4A44-8F00-FDB772D86EA5}"/>
+                <a16:creationId xmlns="" xmlns:a16="http://schemas.microsoft.com/office/drawing/2014/main" id="{732293E4-6737-4A44-8F00-FDB772D86EA5}"/>
               </a:ext>
             </a:extLst>
           </p:cNvPr>
@@ -2098,7 +2097,7 @@
           <p:cNvPr id="2" name="Title 1">
             <a:extLst>
               <a:ext uri="{FF2B5EF4-FFF2-40B4-BE49-F238E27FC236}">
-                <a16:creationId xmlns:a16="http://schemas.microsoft.com/office/drawing/2014/main" xmlns="" id="{D034CADB-5340-49C8-98F7-8A04DD3BB2E5}"/>
+                <a16:creationId xmlns="" xmlns:a16="http://schemas.microsoft.com/office/drawing/2014/main" id="{D034CADB-5340-49C8-98F7-8A04DD3BB2E5}"/>
               </a:ext>
             </a:extLst>
           </p:cNvPr>
@@ -2136,7 +2135,7 @@
           <p:cNvPr id="3" name="Text Placeholder 2">
             <a:extLst>
               <a:ext uri="{FF2B5EF4-FFF2-40B4-BE49-F238E27FC236}">
-                <a16:creationId xmlns:a16="http://schemas.microsoft.com/office/drawing/2014/main" xmlns="" id="{1E61A9DB-5DD4-43E4-BCCB-90E8A515C0F1}"/>
+                <a16:creationId xmlns="" xmlns:a16="http://schemas.microsoft.com/office/drawing/2014/main" id="{1E61A9DB-5DD4-43E4-BCCB-90E8A515C0F1}"/>
               </a:ext>
             </a:extLst>
           </p:cNvPr>
@@ -2261,7 +2260,7 @@
           <p:cNvPr id="4" name="Date Placeholder 3">
             <a:extLst>
               <a:ext uri="{FF2B5EF4-FFF2-40B4-BE49-F238E27FC236}">
-                <a16:creationId xmlns:a16="http://schemas.microsoft.com/office/drawing/2014/main" xmlns="" id="{E2D4D519-A365-4F1C-9222-BB2C6385F77B}"/>
+                <a16:creationId xmlns="" xmlns:a16="http://schemas.microsoft.com/office/drawing/2014/main" id="{E2D4D519-A365-4F1C-9222-BB2C6385F77B}"/>
               </a:ext>
             </a:extLst>
           </p:cNvPr>
@@ -2290,7 +2289,7 @@
           <p:cNvPr id="5" name="Footer Placeholder 4">
             <a:extLst>
               <a:ext uri="{FF2B5EF4-FFF2-40B4-BE49-F238E27FC236}">
-                <a16:creationId xmlns:a16="http://schemas.microsoft.com/office/drawing/2014/main" xmlns="" id="{A5FD2700-8475-4EAC-8F83-62BE933D5034}"/>
+                <a16:creationId xmlns="" xmlns:a16="http://schemas.microsoft.com/office/drawing/2014/main" id="{A5FD2700-8475-4EAC-8F83-62BE933D5034}"/>
               </a:ext>
             </a:extLst>
           </p:cNvPr>
@@ -2315,7 +2314,7 @@
           <p:cNvPr id="6" name="Slide Number Placeholder 5">
             <a:extLst>
               <a:ext uri="{FF2B5EF4-FFF2-40B4-BE49-F238E27FC236}">
-                <a16:creationId xmlns:a16="http://schemas.microsoft.com/office/drawing/2014/main" xmlns="" id="{7E660DA6-0D35-4155-8CB9-FEB3518605DE}"/>
+                <a16:creationId xmlns="" xmlns:a16="http://schemas.microsoft.com/office/drawing/2014/main" id="{7E660DA6-0D35-4155-8CB9-FEB3518605DE}"/>
               </a:ext>
             </a:extLst>
           </p:cNvPr>
@@ -2374,7 +2373,7 @@
           <p:cNvPr id="2" name="Title 1">
             <a:extLst>
               <a:ext uri="{FF2B5EF4-FFF2-40B4-BE49-F238E27FC236}">
-                <a16:creationId xmlns:a16="http://schemas.microsoft.com/office/drawing/2014/main" xmlns="" id="{976AC325-DA85-4BDE-8987-C1D50AD61841}"/>
+                <a16:creationId xmlns="" xmlns:a16="http://schemas.microsoft.com/office/drawing/2014/main" id="{976AC325-DA85-4BDE-8987-C1D50AD61841}"/>
               </a:ext>
             </a:extLst>
           </p:cNvPr>
@@ -2403,7 +2402,7 @@
           <p:cNvPr id="3" name="Content Placeholder 2">
             <a:extLst>
               <a:ext uri="{FF2B5EF4-FFF2-40B4-BE49-F238E27FC236}">
-                <a16:creationId xmlns:a16="http://schemas.microsoft.com/office/drawing/2014/main" xmlns="" id="{1130C49F-E9D9-46AB-BE8F-1AFCC4E39B19}"/>
+                <a16:creationId xmlns="" xmlns:a16="http://schemas.microsoft.com/office/drawing/2014/main" id="{1130C49F-E9D9-46AB-BE8F-1AFCC4E39B19}"/>
               </a:ext>
             </a:extLst>
           </p:cNvPr>
@@ -2466,7 +2465,7 @@
           <p:cNvPr id="4" name="Content Placeholder 3">
             <a:extLst>
               <a:ext uri="{FF2B5EF4-FFF2-40B4-BE49-F238E27FC236}">
-                <a16:creationId xmlns:a16="http://schemas.microsoft.com/office/drawing/2014/main" xmlns="" id="{09E1F6F9-44AB-47DF-AD89-5F1322B151E0}"/>
+                <a16:creationId xmlns="" xmlns:a16="http://schemas.microsoft.com/office/drawing/2014/main" id="{09E1F6F9-44AB-47DF-AD89-5F1322B151E0}"/>
               </a:ext>
             </a:extLst>
           </p:cNvPr>
@@ -2529,7 +2528,7 @@
           <p:cNvPr id="5" name="Date Placeholder 4">
             <a:extLst>
               <a:ext uri="{FF2B5EF4-FFF2-40B4-BE49-F238E27FC236}">
-                <a16:creationId xmlns:a16="http://schemas.microsoft.com/office/drawing/2014/main" xmlns="" id="{11336DF1-1FD8-4295-BFBB-19054C97B4F4}"/>
+                <a16:creationId xmlns="" xmlns:a16="http://schemas.microsoft.com/office/drawing/2014/main" id="{11336DF1-1FD8-4295-BFBB-19054C97B4F4}"/>
               </a:ext>
             </a:extLst>
           </p:cNvPr>
@@ -2558,7 +2557,7 @@
           <p:cNvPr id="6" name="Footer Placeholder 5">
             <a:extLst>
               <a:ext uri="{FF2B5EF4-FFF2-40B4-BE49-F238E27FC236}">
-                <a16:creationId xmlns:a16="http://schemas.microsoft.com/office/drawing/2014/main" xmlns="" id="{3EF84DD6-FA1C-4D48-AC92-3E20413E3E8A}"/>
+                <a16:creationId xmlns="" xmlns:a16="http://schemas.microsoft.com/office/drawing/2014/main" id="{3EF84DD6-FA1C-4D48-AC92-3E20413E3E8A}"/>
               </a:ext>
             </a:extLst>
           </p:cNvPr>
@@ -2583,7 +2582,7 @@
           <p:cNvPr id="7" name="Slide Number Placeholder 6">
             <a:extLst>
               <a:ext uri="{FF2B5EF4-FFF2-40B4-BE49-F238E27FC236}">
-                <a16:creationId xmlns:a16="http://schemas.microsoft.com/office/drawing/2014/main" xmlns="" id="{1F544993-AA5A-4109-A2B8-896576F1EB6E}"/>
+                <a16:creationId xmlns="" xmlns:a16="http://schemas.microsoft.com/office/drawing/2014/main" id="{1F544993-AA5A-4109-A2B8-896576F1EB6E}"/>
               </a:ext>
             </a:extLst>
           </p:cNvPr>
@@ -2642,7 +2641,7 @@
           <p:cNvPr id="2" name="Title 1">
             <a:extLst>
               <a:ext uri="{FF2B5EF4-FFF2-40B4-BE49-F238E27FC236}">
-                <a16:creationId xmlns:a16="http://schemas.microsoft.com/office/drawing/2014/main" xmlns="" id="{0BBE8A05-091D-4B09-80EC-B968A12B4BB4}"/>
+                <a16:creationId xmlns="" xmlns:a16="http://schemas.microsoft.com/office/drawing/2014/main" id="{0BBE8A05-091D-4B09-80EC-B968A12B4BB4}"/>
               </a:ext>
             </a:extLst>
           </p:cNvPr>
@@ -2676,7 +2675,7 @@
           <p:cNvPr id="3" name="Text Placeholder 2">
             <a:extLst>
               <a:ext uri="{FF2B5EF4-FFF2-40B4-BE49-F238E27FC236}">
-                <a16:creationId xmlns:a16="http://schemas.microsoft.com/office/drawing/2014/main" xmlns="" id="{3E0A3CDB-B1BD-4E20-84F6-2319C143CE3E}"/>
+                <a16:creationId xmlns="" xmlns:a16="http://schemas.microsoft.com/office/drawing/2014/main" id="{3E0A3CDB-B1BD-4E20-84F6-2319C143CE3E}"/>
               </a:ext>
             </a:extLst>
           </p:cNvPr>
@@ -2747,7 +2746,7 @@
           <p:cNvPr id="4" name="Content Placeholder 3">
             <a:extLst>
               <a:ext uri="{FF2B5EF4-FFF2-40B4-BE49-F238E27FC236}">
-                <a16:creationId xmlns:a16="http://schemas.microsoft.com/office/drawing/2014/main" xmlns="" id="{520EDEF2-D826-4921-BA5D-54174FA3623B}"/>
+                <a16:creationId xmlns="" xmlns:a16="http://schemas.microsoft.com/office/drawing/2014/main" id="{520EDEF2-D826-4921-BA5D-54174FA3623B}"/>
               </a:ext>
             </a:extLst>
           </p:cNvPr>
@@ -2810,7 +2809,7 @@
           <p:cNvPr id="5" name="Text Placeholder 4">
             <a:extLst>
               <a:ext uri="{FF2B5EF4-FFF2-40B4-BE49-F238E27FC236}">
-                <a16:creationId xmlns:a16="http://schemas.microsoft.com/office/drawing/2014/main" xmlns="" id="{CDA07966-5443-44A0-BE2B-9788309BC81B}"/>
+                <a16:creationId xmlns="" xmlns:a16="http://schemas.microsoft.com/office/drawing/2014/main" id="{CDA07966-5443-44A0-BE2B-9788309BC81B}"/>
               </a:ext>
             </a:extLst>
           </p:cNvPr>
@@ -2881,7 +2880,7 @@
           <p:cNvPr id="6" name="Content Placeholder 5">
             <a:extLst>
               <a:ext uri="{FF2B5EF4-FFF2-40B4-BE49-F238E27FC236}">
-                <a16:creationId xmlns:a16="http://schemas.microsoft.com/office/drawing/2014/main" xmlns="" id="{E405B9AC-F2E0-4834-B9FB-62D07644007C}"/>
+                <a16:creationId xmlns="" xmlns:a16="http://schemas.microsoft.com/office/drawing/2014/main" id="{E405B9AC-F2E0-4834-B9FB-62D07644007C}"/>
               </a:ext>
             </a:extLst>
           </p:cNvPr>
@@ -2944,7 +2943,7 @@
           <p:cNvPr id="7" name="Date Placeholder 6">
             <a:extLst>
               <a:ext uri="{FF2B5EF4-FFF2-40B4-BE49-F238E27FC236}">
-                <a16:creationId xmlns:a16="http://schemas.microsoft.com/office/drawing/2014/main" xmlns="" id="{5745AD2A-EF99-4E5A-840B-A98F20B4FC27}"/>
+                <a16:creationId xmlns="" xmlns:a16="http://schemas.microsoft.com/office/drawing/2014/main" id="{5745AD2A-EF99-4E5A-840B-A98F20B4FC27}"/>
               </a:ext>
             </a:extLst>
           </p:cNvPr>
@@ -2973,7 +2972,7 @@
           <p:cNvPr id="8" name="Footer Placeholder 7">
             <a:extLst>
               <a:ext uri="{FF2B5EF4-FFF2-40B4-BE49-F238E27FC236}">
-                <a16:creationId xmlns:a16="http://schemas.microsoft.com/office/drawing/2014/main" xmlns="" id="{FAA3F2E9-9F46-4507-87CA-D00F927302F1}"/>
+                <a16:creationId xmlns="" xmlns:a16="http://schemas.microsoft.com/office/drawing/2014/main" id="{FAA3F2E9-9F46-4507-87CA-D00F927302F1}"/>
               </a:ext>
             </a:extLst>
           </p:cNvPr>
@@ -2998,7 +2997,7 @@
           <p:cNvPr id="9" name="Slide Number Placeholder 8">
             <a:extLst>
               <a:ext uri="{FF2B5EF4-FFF2-40B4-BE49-F238E27FC236}">
-                <a16:creationId xmlns:a16="http://schemas.microsoft.com/office/drawing/2014/main" xmlns="" id="{B597A2EB-05C2-46F1-9A14-07C1EF351ACB}"/>
+                <a16:creationId xmlns="" xmlns:a16="http://schemas.microsoft.com/office/drawing/2014/main" id="{B597A2EB-05C2-46F1-9A14-07C1EF351ACB}"/>
               </a:ext>
             </a:extLst>
           </p:cNvPr>
@@ -3057,7 +3056,7 @@
           <p:cNvPr id="2" name="Title 1">
             <a:extLst>
               <a:ext uri="{FF2B5EF4-FFF2-40B4-BE49-F238E27FC236}">
-                <a16:creationId xmlns:a16="http://schemas.microsoft.com/office/drawing/2014/main" xmlns="" id="{A2D7B1CF-CCFF-47EB-8F91-8C887CB38108}"/>
+                <a16:creationId xmlns="" xmlns:a16="http://schemas.microsoft.com/office/drawing/2014/main" id="{A2D7B1CF-CCFF-47EB-8F91-8C887CB38108}"/>
               </a:ext>
             </a:extLst>
           </p:cNvPr>
@@ -3086,7 +3085,7 @@
           <p:cNvPr id="3" name="Date Placeholder 2">
             <a:extLst>
               <a:ext uri="{FF2B5EF4-FFF2-40B4-BE49-F238E27FC236}">
-                <a16:creationId xmlns:a16="http://schemas.microsoft.com/office/drawing/2014/main" xmlns="" id="{E0E3EBAC-3B1F-46DD-9903-E1356B174841}"/>
+                <a16:creationId xmlns="" xmlns:a16="http://schemas.microsoft.com/office/drawing/2014/main" id="{E0E3EBAC-3B1F-46DD-9903-E1356B174841}"/>
               </a:ext>
             </a:extLst>
           </p:cNvPr>
@@ -3115,7 +3114,7 @@
           <p:cNvPr id="4" name="Footer Placeholder 3">
             <a:extLst>
               <a:ext uri="{FF2B5EF4-FFF2-40B4-BE49-F238E27FC236}">
-                <a16:creationId xmlns:a16="http://schemas.microsoft.com/office/drawing/2014/main" xmlns="" id="{956E454B-459A-466D-858A-F6976E2C1DD8}"/>
+                <a16:creationId xmlns="" xmlns:a16="http://schemas.microsoft.com/office/drawing/2014/main" id="{956E454B-459A-466D-858A-F6976E2C1DD8}"/>
               </a:ext>
             </a:extLst>
           </p:cNvPr>
@@ -3140,7 +3139,7 @@
           <p:cNvPr id="5" name="Slide Number Placeholder 4">
             <a:extLst>
               <a:ext uri="{FF2B5EF4-FFF2-40B4-BE49-F238E27FC236}">
-                <a16:creationId xmlns:a16="http://schemas.microsoft.com/office/drawing/2014/main" xmlns="" id="{92F6776B-C78A-4D3F-94B6-4DCD165C71CD}"/>
+                <a16:creationId xmlns="" xmlns:a16="http://schemas.microsoft.com/office/drawing/2014/main" id="{92F6776B-C78A-4D3F-94B6-4DCD165C71CD}"/>
               </a:ext>
             </a:extLst>
           </p:cNvPr>
@@ -3199,7 +3198,7 @@
           <p:cNvPr id="2" name="Date Placeholder 1">
             <a:extLst>
               <a:ext uri="{FF2B5EF4-FFF2-40B4-BE49-F238E27FC236}">
-                <a16:creationId xmlns:a16="http://schemas.microsoft.com/office/drawing/2014/main" xmlns="" id="{9306E36E-39A8-4C71-9A60-AE936BA24934}"/>
+                <a16:creationId xmlns="" xmlns:a16="http://schemas.microsoft.com/office/drawing/2014/main" id="{9306E36E-39A8-4C71-9A60-AE936BA24934}"/>
               </a:ext>
             </a:extLst>
           </p:cNvPr>
@@ -3228,7 +3227,7 @@
           <p:cNvPr id="3" name="Footer Placeholder 2">
             <a:extLst>
               <a:ext uri="{FF2B5EF4-FFF2-40B4-BE49-F238E27FC236}">
-                <a16:creationId xmlns:a16="http://schemas.microsoft.com/office/drawing/2014/main" xmlns="" id="{F2E00940-9B56-4220-BD3F-1C0C09936917}"/>
+                <a16:creationId xmlns="" xmlns:a16="http://schemas.microsoft.com/office/drawing/2014/main" id="{F2E00940-9B56-4220-BD3F-1C0C09936917}"/>
               </a:ext>
             </a:extLst>
           </p:cNvPr>
@@ -3253,7 +3252,7 @@
           <p:cNvPr id="4" name="Slide Number Placeholder 3">
             <a:extLst>
               <a:ext uri="{FF2B5EF4-FFF2-40B4-BE49-F238E27FC236}">
-                <a16:creationId xmlns:a16="http://schemas.microsoft.com/office/drawing/2014/main" xmlns="" id="{A31512ED-E4B3-4BCC-884C-31777E53EF4A}"/>
+                <a16:creationId xmlns="" xmlns:a16="http://schemas.microsoft.com/office/drawing/2014/main" id="{A31512ED-E4B3-4BCC-884C-31777E53EF4A}"/>
               </a:ext>
             </a:extLst>
           </p:cNvPr>
@@ -3312,7 +3311,7 @@
           <p:cNvPr id="2" name="Title 1">
             <a:extLst>
               <a:ext uri="{FF2B5EF4-FFF2-40B4-BE49-F238E27FC236}">
-                <a16:creationId xmlns:a16="http://schemas.microsoft.com/office/drawing/2014/main" xmlns="" id="{5986CEE0-5CF0-4A17-A250-51536E2A1220}"/>
+                <a16:creationId xmlns="" xmlns:a16="http://schemas.microsoft.com/office/drawing/2014/main" id="{5986CEE0-5CF0-4A17-A250-51536E2A1220}"/>
               </a:ext>
             </a:extLst>
           </p:cNvPr>
@@ -3350,7 +3349,7 @@
           <p:cNvPr id="3" name="Content Placeholder 2">
             <a:extLst>
               <a:ext uri="{FF2B5EF4-FFF2-40B4-BE49-F238E27FC236}">
-                <a16:creationId xmlns:a16="http://schemas.microsoft.com/office/drawing/2014/main" xmlns="" id="{F8C4E606-B65A-454C-805F-2467B6A258AA}"/>
+                <a16:creationId xmlns="" xmlns:a16="http://schemas.microsoft.com/office/drawing/2014/main" id="{F8C4E606-B65A-454C-805F-2467B6A258AA}"/>
               </a:ext>
             </a:extLst>
           </p:cNvPr>
@@ -3441,7 +3440,7 @@
           <p:cNvPr id="4" name="Text Placeholder 3">
             <a:extLst>
               <a:ext uri="{FF2B5EF4-FFF2-40B4-BE49-F238E27FC236}">
-                <a16:creationId xmlns:a16="http://schemas.microsoft.com/office/drawing/2014/main" xmlns="" id="{58720A4E-7B63-4024-9FFB-952D20D2BAA7}"/>
+                <a16:creationId xmlns="" xmlns:a16="http://schemas.microsoft.com/office/drawing/2014/main" id="{58720A4E-7B63-4024-9FFB-952D20D2BAA7}"/>
               </a:ext>
             </a:extLst>
           </p:cNvPr>
@@ -3512,7 +3511,7 @@
           <p:cNvPr id="5" name="Date Placeholder 4">
             <a:extLst>
               <a:ext uri="{FF2B5EF4-FFF2-40B4-BE49-F238E27FC236}">
-                <a16:creationId xmlns:a16="http://schemas.microsoft.com/office/drawing/2014/main" xmlns="" id="{36DAD0C1-8B1B-4FD8-B547-1C6EAF4D2433}"/>
+                <a16:creationId xmlns="" xmlns:a16="http://schemas.microsoft.com/office/drawing/2014/main" id="{36DAD0C1-8B1B-4FD8-B547-1C6EAF4D2433}"/>
               </a:ext>
             </a:extLst>
           </p:cNvPr>
@@ -3541,7 +3540,7 @@
           <p:cNvPr id="6" name="Footer Placeholder 5">
             <a:extLst>
               <a:ext uri="{FF2B5EF4-FFF2-40B4-BE49-F238E27FC236}">
-                <a16:creationId xmlns:a16="http://schemas.microsoft.com/office/drawing/2014/main" xmlns="" id="{13F78E78-891A-464E-BE88-761365D38344}"/>
+                <a16:creationId xmlns="" xmlns:a16="http://schemas.microsoft.com/office/drawing/2014/main" id="{13F78E78-891A-464E-BE88-761365D38344}"/>
               </a:ext>
             </a:extLst>
           </p:cNvPr>
@@ -3566,7 +3565,7 @@
           <p:cNvPr id="7" name="Slide Number Placeholder 6">
             <a:extLst>
               <a:ext uri="{FF2B5EF4-FFF2-40B4-BE49-F238E27FC236}">
-                <a16:creationId xmlns:a16="http://schemas.microsoft.com/office/drawing/2014/main" xmlns="" id="{8CB7C84F-1969-4B81-ADEE-FAC5E1C5C12D}"/>
+                <a16:creationId xmlns="" xmlns:a16="http://schemas.microsoft.com/office/drawing/2014/main" id="{8CB7C84F-1969-4B81-ADEE-FAC5E1C5C12D}"/>
               </a:ext>
             </a:extLst>
           </p:cNvPr>
@@ -3625,7 +3624,7 @@
           <p:cNvPr id="2" name="Title 1">
             <a:extLst>
               <a:ext uri="{FF2B5EF4-FFF2-40B4-BE49-F238E27FC236}">
-                <a16:creationId xmlns:a16="http://schemas.microsoft.com/office/drawing/2014/main" xmlns="" id="{548B0456-55CA-402B-BDF9-BDC23428493D}"/>
+                <a16:creationId xmlns="" xmlns:a16="http://schemas.microsoft.com/office/drawing/2014/main" id="{548B0456-55CA-402B-BDF9-BDC23428493D}"/>
               </a:ext>
             </a:extLst>
           </p:cNvPr>
@@ -3663,7 +3662,7 @@
           <p:cNvPr id="3" name="Picture Placeholder 2">
             <a:extLst>
               <a:ext uri="{FF2B5EF4-FFF2-40B4-BE49-F238E27FC236}">
-                <a16:creationId xmlns:a16="http://schemas.microsoft.com/office/drawing/2014/main" xmlns="" id="{C3EC4421-FA2C-4ED0-8FCB-5C5F8A56501D}"/>
+                <a16:creationId xmlns="" xmlns:a16="http://schemas.microsoft.com/office/drawing/2014/main" id="{C3EC4421-FA2C-4ED0-8FCB-5C5F8A56501D}"/>
               </a:ext>
             </a:extLst>
           </p:cNvPr>
@@ -3730,7 +3729,7 @@
           <p:cNvPr id="4" name="Text Placeholder 3">
             <a:extLst>
               <a:ext uri="{FF2B5EF4-FFF2-40B4-BE49-F238E27FC236}">
-                <a16:creationId xmlns:a16="http://schemas.microsoft.com/office/drawing/2014/main" xmlns="" id="{57258370-02B8-456D-9C4A-BFFAA0D74830}"/>
+                <a16:creationId xmlns="" xmlns:a16="http://schemas.microsoft.com/office/drawing/2014/main" id="{57258370-02B8-456D-9C4A-BFFAA0D74830}"/>
               </a:ext>
             </a:extLst>
           </p:cNvPr>
@@ -3801,7 +3800,7 @@
           <p:cNvPr id="5" name="Date Placeholder 4">
             <a:extLst>
               <a:ext uri="{FF2B5EF4-FFF2-40B4-BE49-F238E27FC236}">
-                <a16:creationId xmlns:a16="http://schemas.microsoft.com/office/drawing/2014/main" xmlns="" id="{D7965A0F-4E44-4364-A2B3-841E11931226}"/>
+                <a16:creationId xmlns="" xmlns:a16="http://schemas.microsoft.com/office/drawing/2014/main" id="{D7965A0F-4E44-4364-A2B3-841E11931226}"/>
               </a:ext>
             </a:extLst>
           </p:cNvPr>
@@ -3830,7 +3829,7 @@
           <p:cNvPr id="6" name="Footer Placeholder 5">
             <a:extLst>
               <a:ext uri="{FF2B5EF4-FFF2-40B4-BE49-F238E27FC236}">
-                <a16:creationId xmlns:a16="http://schemas.microsoft.com/office/drawing/2014/main" xmlns="" id="{008F7E10-47B2-404C-BE35-A2BF5A62894C}"/>
+                <a16:creationId xmlns="" xmlns:a16="http://schemas.microsoft.com/office/drawing/2014/main" id="{008F7E10-47B2-404C-BE35-A2BF5A62894C}"/>
               </a:ext>
             </a:extLst>
           </p:cNvPr>
@@ -3855,7 +3854,7 @@
           <p:cNvPr id="7" name="Slide Number Placeholder 6">
             <a:extLst>
               <a:ext uri="{FF2B5EF4-FFF2-40B4-BE49-F238E27FC236}">
-                <a16:creationId xmlns:a16="http://schemas.microsoft.com/office/drawing/2014/main" xmlns="" id="{58F78DEE-1469-4A3A-9CF4-1AC75EC036AA}"/>
+                <a16:creationId xmlns="" xmlns:a16="http://schemas.microsoft.com/office/drawing/2014/main" id="{58F78DEE-1469-4A3A-9CF4-1AC75EC036AA}"/>
               </a:ext>
             </a:extLst>
           </p:cNvPr>
@@ -3919,7 +3918,7 @@
           <p:cNvPr id="2" name="Title Placeholder 1">
             <a:extLst>
               <a:ext uri="{FF2B5EF4-FFF2-40B4-BE49-F238E27FC236}">
-                <a16:creationId xmlns:a16="http://schemas.microsoft.com/office/drawing/2014/main" xmlns="" id="{C192A3DB-3CB7-48AB-80C2-F44D8DCA244A}"/>
+                <a16:creationId xmlns="" xmlns:a16="http://schemas.microsoft.com/office/drawing/2014/main" id="{C192A3DB-3CB7-48AB-80C2-F44D8DCA244A}"/>
               </a:ext>
             </a:extLst>
           </p:cNvPr>
@@ -3958,7 +3957,7 @@
           <p:cNvPr id="3" name="Text Placeholder 2">
             <a:extLst>
               <a:ext uri="{FF2B5EF4-FFF2-40B4-BE49-F238E27FC236}">
-                <a16:creationId xmlns:a16="http://schemas.microsoft.com/office/drawing/2014/main" xmlns="" id="{3160DDAE-46FC-4A8C-8B8C-186EAE44EA6D}"/>
+                <a16:creationId xmlns="" xmlns:a16="http://schemas.microsoft.com/office/drawing/2014/main" id="{3160DDAE-46FC-4A8C-8B8C-186EAE44EA6D}"/>
               </a:ext>
             </a:extLst>
           </p:cNvPr>
@@ -4026,7 +4025,7 @@
           <p:cNvPr id="4" name="Date Placeholder 3">
             <a:extLst>
               <a:ext uri="{FF2B5EF4-FFF2-40B4-BE49-F238E27FC236}">
-                <a16:creationId xmlns:a16="http://schemas.microsoft.com/office/drawing/2014/main" xmlns="" id="{13494848-A884-4F5F-94C6-F6F4EA175A1B}"/>
+                <a16:creationId xmlns="" xmlns:a16="http://schemas.microsoft.com/office/drawing/2014/main" id="{13494848-A884-4F5F-94C6-F6F4EA175A1B}"/>
               </a:ext>
             </a:extLst>
           </p:cNvPr>
@@ -4073,7 +4072,7 @@
           <p:cNvPr id="5" name="Footer Placeholder 4">
             <a:extLst>
               <a:ext uri="{FF2B5EF4-FFF2-40B4-BE49-F238E27FC236}">
-                <a16:creationId xmlns:a16="http://schemas.microsoft.com/office/drawing/2014/main" xmlns="" id="{D2E514DE-AE60-485E-958C-9F6E1625B107}"/>
+                <a16:creationId xmlns="" xmlns:a16="http://schemas.microsoft.com/office/drawing/2014/main" id="{D2E514DE-AE60-485E-958C-9F6E1625B107}"/>
               </a:ext>
             </a:extLst>
           </p:cNvPr>
@@ -4116,7 +4115,7 @@
           <p:cNvPr id="6" name="Slide Number Placeholder 5">
             <a:extLst>
               <a:ext uri="{FF2B5EF4-FFF2-40B4-BE49-F238E27FC236}">
-                <a16:creationId xmlns:a16="http://schemas.microsoft.com/office/drawing/2014/main" xmlns="" id="{3D4079C7-CA54-458C-90A7-973ED7DA752F}"/>
+                <a16:creationId xmlns="" xmlns:a16="http://schemas.microsoft.com/office/drawing/2014/main" id="{3D4079C7-CA54-458C-90A7-973ED7DA752F}"/>
               </a:ext>
             </a:extLst>
           </p:cNvPr>
@@ -4484,7 +4483,7 @@
           <p:cNvPr id="1026" name="Picture 2" descr="Image result for aurora borealis powerpoint template">
             <a:extLst>
               <a:ext uri="{FF2B5EF4-FFF2-40B4-BE49-F238E27FC236}">
-                <a16:creationId xmlns:a16="http://schemas.microsoft.com/office/drawing/2014/main" xmlns="" id="{BA9A3AC1-36F7-41D5-A1FF-4C704F2812DD}"/>
+                <a16:creationId xmlns="" xmlns:a16="http://schemas.microsoft.com/office/drawing/2014/main" id="{BA9A3AC1-36F7-41D5-A1FF-4C704F2812DD}"/>
               </a:ext>
             </a:extLst>
           </p:cNvPr>
@@ -4531,7 +4530,7 @@
           <p:cNvPr id="4" name="TextBox 3">
             <a:extLst>
               <a:ext uri="{FF2B5EF4-FFF2-40B4-BE49-F238E27FC236}">
-                <a16:creationId xmlns:a16="http://schemas.microsoft.com/office/drawing/2014/main" xmlns="" id="{EEFFF07B-BC48-40C0-9D17-4D82550F67AF}"/>
+                <a16:creationId xmlns="" xmlns:a16="http://schemas.microsoft.com/office/drawing/2014/main" id="{EEFFF07B-BC48-40C0-9D17-4D82550F67AF}"/>
               </a:ext>
             </a:extLst>
           </p:cNvPr>
@@ -4572,7 +4571,7 @@
           <p:cNvPr id="6" name="TextBox 5">
             <a:extLst>
               <a:ext uri="{FF2B5EF4-FFF2-40B4-BE49-F238E27FC236}">
-                <a16:creationId xmlns:a16="http://schemas.microsoft.com/office/drawing/2014/main" xmlns="" id="{015C4712-97CA-4A7C-B484-0F17D5E79742}"/>
+                <a16:creationId xmlns="" xmlns:a16="http://schemas.microsoft.com/office/drawing/2014/main" id="{015C4712-97CA-4A7C-B484-0F17D5E79742}"/>
               </a:ext>
             </a:extLst>
           </p:cNvPr>
@@ -4613,7 +4612,7 @@
           <p:cNvPr id="7" name="TextBox 6">
             <a:extLst>
               <a:ext uri="{FF2B5EF4-FFF2-40B4-BE49-F238E27FC236}">
-                <a16:creationId xmlns:a16="http://schemas.microsoft.com/office/drawing/2014/main" xmlns="" id="{8D4F448F-176A-437E-81DB-50D65683C26D}"/>
+                <a16:creationId xmlns="" xmlns:a16="http://schemas.microsoft.com/office/drawing/2014/main" id="{8D4F448F-176A-437E-81DB-50D65683C26D}"/>
               </a:ext>
             </a:extLst>
           </p:cNvPr>
@@ -4750,138 +4749,12 @@
           <a:chExt cx="0" cy="0"/>
         </a:xfrm>
       </p:grpSpPr>
-      <p:pic>
-        <p:nvPicPr>
-          <p:cNvPr id="1026" name="Picture 2" descr="Image result for aurora borealis powerpoint template">
-            <a:extLst>
-              <a:ext uri="{FF2B5EF4-FFF2-40B4-BE49-F238E27FC236}">
-                <a16:creationId xmlns:a16="http://schemas.microsoft.com/office/drawing/2014/main" xmlns="" id="{BA9A3AC1-36F7-41D5-A1FF-4C704F2812DD}"/>
-              </a:ext>
-            </a:extLst>
-          </p:cNvPr>
-          <p:cNvPicPr>
-            <a:picLocks noChangeAspect="1" noChangeArrowheads="1"/>
-          </p:cNvPicPr>
-          <p:nvPr/>
-        </p:nvPicPr>
-        <p:blipFill>
-          <a:blip r:embed="rId2">
-            <a:extLst>
-              <a:ext uri="{28A0092B-C50C-407E-A947-70E740481C1C}">
-                <a14:useLocalDpi xmlns:a14="http://schemas.microsoft.com/office/drawing/2010/main" val="0"/>
-              </a:ext>
-            </a:extLst>
-          </a:blip>
-          <a:srcRect/>
-          <a:stretch>
-            <a:fillRect/>
-          </a:stretch>
-        </p:blipFill>
-        <p:spPr bwMode="auto">
-          <a:xfrm>
-            <a:off x="0" y="0"/>
-            <a:ext cx="12192000" cy="6858000"/>
-          </a:xfrm>
-          <a:prstGeom prst="rect">
-            <a:avLst/>
-          </a:prstGeom>
-          <a:noFill/>
-          <a:extLst>
-            <a:ext uri="{909E8E84-426E-40DD-AFC4-6F175D3DCCD1}">
-              <a14:hiddenFill xmlns:a14="http://schemas.microsoft.com/office/drawing/2010/main">
-                <a:solidFill>
-                  <a:srgbClr val="FFFFFF"/>
-                </a:solidFill>
-              </a14:hiddenFill>
-            </a:ext>
-          </a:extLst>
-        </p:spPr>
-      </p:pic>
       <p:sp>
         <p:nvSpPr>
           <p:cNvPr id="4" name="TextBox 3">
             <a:extLst>
               <a:ext uri="{FF2B5EF4-FFF2-40B4-BE49-F238E27FC236}">
-                <a16:creationId xmlns:a16="http://schemas.microsoft.com/office/drawing/2014/main" xmlns="" id="{EEFFF07B-BC48-40C0-9D17-4D82550F67AF}"/>
-              </a:ext>
-            </a:extLst>
-          </p:cNvPr>
-          <p:cNvSpPr txBox="1"/>
-          <p:nvPr/>
-        </p:nvSpPr>
-        <p:spPr>
-          <a:xfrm>
-            <a:off x="1745813" y="1859313"/>
-            <a:ext cx="8339764" cy="1200329"/>
-          </a:xfrm>
-          <a:prstGeom prst="rect">
-            <a:avLst/>
-          </a:prstGeom>
-          <a:noFill/>
-          <a:ln w="12700">
-            <a:noFill/>
-          </a:ln>
-        </p:spPr>
-        <p:txBody>
-          <a:bodyPr wrap="square" rtlCol="0">
-            <a:spAutoFit/>
-          </a:bodyPr>
-          <a:lstStyle/>
-          <a:p>
-            <a:r>
-              <a:rPr lang="en-CA" sz="2400" dirty="0">
-                <a:solidFill>
-                  <a:schemeClr val="bg1"/>
-                </a:solidFill>
-              </a:rPr>
-              <a:t>It is known that the Northern Lights are accompanied by and produce magnetic disturbances that are measurable from the Earth’s surface. </a:t>
-            </a:r>
-            <a:endParaRPr lang="en-CA" sz="4400" dirty="0">
-              <a:solidFill>
-                <a:schemeClr val="bg1"/>
-              </a:solidFill>
-              <a:latin typeface="Times New Roman" panose="02020603050405020304" pitchFamily="18" charset="0"/>
-              <a:cs typeface="Times New Roman" panose="02020603050405020304" pitchFamily="18" charset="0"/>
-            </a:endParaRPr>
-          </a:p>
-        </p:txBody>
-      </p:sp>
-    </p:spTree>
-    <p:extLst>
-      <p:ext uri="{BB962C8B-B14F-4D97-AF65-F5344CB8AC3E}">
-        <p14:creationId xmlns:p14="http://schemas.microsoft.com/office/powerpoint/2010/main" val="2089979452"/>
-      </p:ext>
-    </p:extLst>
-  </p:cSld>
-  <p:clrMapOvr>
-    <a:masterClrMapping/>
-  </p:clrMapOvr>
-</p:sld>
-</file>
-
-<file path=ppt/slides/slide3.xml><?xml version="1.0" encoding="utf-8"?>
-<p:sld xmlns:a="http://schemas.openxmlformats.org/drawingml/2006/main" xmlns:r="http://schemas.openxmlformats.org/officeDocument/2006/relationships" xmlns:p="http://schemas.openxmlformats.org/presentationml/2006/main">
-  <p:cSld>
-    <p:spTree>
-      <p:nvGrpSpPr>
-        <p:cNvPr id="1" name=""/>
-        <p:cNvGrpSpPr/>
-        <p:nvPr/>
-      </p:nvGrpSpPr>
-      <p:grpSpPr>
-        <a:xfrm>
-          <a:off x="0" y="0"/>
-          <a:ext cx="0" cy="0"/>
-          <a:chOff x="0" y="0"/>
-          <a:chExt cx="0" cy="0"/>
-        </a:xfrm>
-      </p:grpSpPr>
-      <p:sp>
-        <p:nvSpPr>
-          <p:cNvPr id="4" name="TextBox 3">
-            <a:extLst>
-              <a:ext uri="{FF2B5EF4-FFF2-40B4-BE49-F238E27FC236}">
-                <a16:creationId xmlns:a16="http://schemas.microsoft.com/office/drawing/2014/main" xmlns="" id="{EEFFF07B-BC48-40C0-9D17-4D82550F67AF}"/>
+                <a16:creationId xmlns="" xmlns:a16="http://schemas.microsoft.com/office/drawing/2014/main" id="{EEFFF07B-BC48-40C0-9D17-4D82550F67AF}"/>
               </a:ext>
             </a:extLst>
           </p:cNvPr>
@@ -4927,7 +4800,7 @@
           <p:cNvPr id="5" name="Shape 123">
             <a:extLst>
               <a:ext uri="{FF2B5EF4-FFF2-40B4-BE49-F238E27FC236}">
-                <a16:creationId xmlns:a16="http://schemas.microsoft.com/office/drawing/2014/main" xmlns="" id="{FDE81557-1C9E-4CD3-8705-E36FB91A4B7D}"/>
+                <a16:creationId xmlns="" xmlns:a16="http://schemas.microsoft.com/office/drawing/2014/main" id="{FDE81557-1C9E-4CD3-8705-E36FB91A4B7D}"/>
               </a:ext>
             </a:extLst>
           </p:cNvPr>
@@ -4960,7 +4833,7 @@
           <p:cNvPr id="6" name="TextBox 5">
             <a:extLst>
               <a:ext uri="{FF2B5EF4-FFF2-40B4-BE49-F238E27FC236}">
-                <a16:creationId xmlns:a16="http://schemas.microsoft.com/office/drawing/2014/main" xmlns="" id="{B87A0BA6-BA2A-439E-BE34-9B5BBBAFA391}"/>
+                <a16:creationId xmlns="" xmlns:a16="http://schemas.microsoft.com/office/drawing/2014/main" id="{B87A0BA6-BA2A-439E-BE34-9B5BBBAFA391}"/>
               </a:ext>
             </a:extLst>
           </p:cNvPr>
@@ -5057,7 +4930,7 @@
           <p:cNvPr id="7" name="TextBox 6">
             <a:extLst>
               <a:ext uri="{FF2B5EF4-FFF2-40B4-BE49-F238E27FC236}">
-                <a16:creationId xmlns:a16="http://schemas.microsoft.com/office/drawing/2014/main" xmlns="" id="{23D8B938-0B89-4578-9D5D-137414FF4F35}"/>
+                <a16:creationId xmlns="" xmlns:a16="http://schemas.microsoft.com/office/drawing/2014/main" id="{23D8B938-0B89-4578-9D5D-137414FF4F35}"/>
               </a:ext>
             </a:extLst>
           </p:cNvPr>
@@ -5105,7 +4978,7 @@
           <p:cNvPr id="4098" name="Picture 2" descr="Image result for magnetic disturbances from sun to earth">
             <a:extLst>
               <a:ext uri="{FF2B5EF4-FFF2-40B4-BE49-F238E27FC236}">
-                <a16:creationId xmlns:a16="http://schemas.microsoft.com/office/drawing/2014/main" xmlns="" id="{8D08A77B-4DC2-4070-A9D9-FBA83D437FC2}"/>
+                <a16:creationId xmlns="" xmlns:a16="http://schemas.microsoft.com/office/drawing/2014/main" id="{8D08A77B-4DC2-4070-A9D9-FBA83D437FC2}"/>
               </a:ext>
             </a:extLst>
           </p:cNvPr>
@@ -5160,7 +5033,7 @@
 </p:sld>
 </file>
 
-<file path=ppt/slides/slide4.xml><?xml version="1.0" encoding="utf-8"?>
+<file path=ppt/slides/slide3.xml><?xml version="1.0" encoding="utf-8"?>
 <p:sld xmlns:a="http://schemas.openxmlformats.org/drawingml/2006/main" xmlns:r="http://schemas.openxmlformats.org/officeDocument/2006/relationships" xmlns:p="http://schemas.openxmlformats.org/presentationml/2006/main">
   <p:cSld>
     <p:spTree>
@@ -5182,7 +5055,7 @@
           <p:cNvPr id="4" name="TextBox 3">
             <a:extLst>
               <a:ext uri="{FF2B5EF4-FFF2-40B4-BE49-F238E27FC236}">
-                <a16:creationId xmlns:a16="http://schemas.microsoft.com/office/drawing/2014/main" xmlns="" id="{EEFFF07B-BC48-40C0-9D17-4D82550F67AF}"/>
+                <a16:creationId xmlns="" xmlns:a16="http://schemas.microsoft.com/office/drawing/2014/main" id="{EEFFF07B-BC48-40C0-9D17-4D82550F67AF}"/>
               </a:ext>
             </a:extLst>
           </p:cNvPr>
@@ -5228,7 +5101,7 @@
           <p:cNvPr id="5" name="Shape 123">
             <a:extLst>
               <a:ext uri="{FF2B5EF4-FFF2-40B4-BE49-F238E27FC236}">
-                <a16:creationId xmlns:a16="http://schemas.microsoft.com/office/drawing/2014/main" xmlns="" id="{FDE81557-1C9E-4CD3-8705-E36FB91A4B7D}"/>
+                <a16:creationId xmlns="" xmlns:a16="http://schemas.microsoft.com/office/drawing/2014/main" id="{FDE81557-1C9E-4CD3-8705-E36FB91A4B7D}"/>
               </a:ext>
             </a:extLst>
           </p:cNvPr>
@@ -5261,7 +5134,7 @@
           <p:cNvPr id="3074" name="Picture 2" descr="Advanced Composition Explorer.jpg">
             <a:extLst>
               <a:ext uri="{FF2B5EF4-FFF2-40B4-BE49-F238E27FC236}">
-                <a16:creationId xmlns:a16="http://schemas.microsoft.com/office/drawing/2014/main" xmlns="" id="{836FEC7D-FEFE-4EE6-9DDE-36E4B3EED71D}"/>
+                <a16:creationId xmlns="" xmlns:a16="http://schemas.microsoft.com/office/drawing/2014/main" id="{836FEC7D-FEFE-4EE6-9DDE-36E4B3EED71D}"/>
               </a:ext>
             </a:extLst>
           </p:cNvPr>
@@ -5306,7 +5179,7 @@
           <p:cNvPr id="8" name="TextBox 7">
             <a:extLst>
               <a:ext uri="{FF2B5EF4-FFF2-40B4-BE49-F238E27FC236}">
-                <a16:creationId xmlns:a16="http://schemas.microsoft.com/office/drawing/2014/main" xmlns="" id="{24A43BBE-6AFC-44C4-8FC3-B613077575D3}"/>
+                <a16:creationId xmlns="" xmlns:a16="http://schemas.microsoft.com/office/drawing/2014/main" id="{24A43BBE-6AFC-44C4-8FC3-B613077575D3}"/>
               </a:ext>
             </a:extLst>
           </p:cNvPr>
@@ -5431,7 +5304,7 @@
           <p:cNvPr id="9" name="TextBox 8">
             <a:extLst>
               <a:ext uri="{FF2B5EF4-FFF2-40B4-BE49-F238E27FC236}">
-                <a16:creationId xmlns:a16="http://schemas.microsoft.com/office/drawing/2014/main" xmlns="" id="{45A4C6E4-C9BE-4E75-B238-CCF966A2B9D0}"/>
+                <a16:creationId xmlns="" xmlns:a16="http://schemas.microsoft.com/office/drawing/2014/main" id="{45A4C6E4-C9BE-4E75-B238-CCF966A2B9D0}"/>
               </a:ext>
             </a:extLst>
           </p:cNvPr>
@@ -5479,7 +5352,7 @@
           <p:cNvPr id="3076" name="Picture 4" descr="Image result for ground based magnetometer locations canada">
             <a:extLst>
               <a:ext uri="{FF2B5EF4-FFF2-40B4-BE49-F238E27FC236}">
-                <a16:creationId xmlns:a16="http://schemas.microsoft.com/office/drawing/2014/main" xmlns="" id="{E4965F63-F8AC-48FA-B567-57BCD98995B9}"/>
+                <a16:creationId xmlns="" xmlns:a16="http://schemas.microsoft.com/office/drawing/2014/main" id="{E4965F63-F8AC-48FA-B567-57BCD98995B9}"/>
               </a:ext>
             </a:extLst>
           </p:cNvPr>
@@ -5526,7 +5399,7 @@
           <p:cNvPr id="3" name="Picture 2">
             <a:extLst>
               <a:ext uri="{FF2B5EF4-FFF2-40B4-BE49-F238E27FC236}">
-                <a16:creationId xmlns:a16="http://schemas.microsoft.com/office/drawing/2014/main" xmlns="" id="{11E7D354-5EC6-42AE-A1FD-C63447662FA8}"/>
+                <a16:creationId xmlns="" xmlns:a16="http://schemas.microsoft.com/office/drawing/2014/main" id="{11E7D354-5EC6-42AE-A1FD-C63447662FA8}"/>
               </a:ext>
             </a:extLst>
           </p:cNvPr>
@@ -5569,7 +5442,7 @@
 </p:sld>
 </file>
 
-<file path=ppt/slides/slide5.xml><?xml version="1.0" encoding="utf-8"?>
+<file path=ppt/slides/slide4.xml><?xml version="1.0" encoding="utf-8"?>
 <p:sld xmlns:a="http://schemas.openxmlformats.org/drawingml/2006/main" xmlns:r="http://schemas.openxmlformats.org/officeDocument/2006/relationships" xmlns:p="http://schemas.openxmlformats.org/presentationml/2006/main">
   <p:cSld>
     <p:spTree>
@@ -5591,7 +5464,7 @@
           <p:cNvPr id="4" name="TextBox 3">
             <a:extLst>
               <a:ext uri="{FF2B5EF4-FFF2-40B4-BE49-F238E27FC236}">
-                <a16:creationId xmlns:a16="http://schemas.microsoft.com/office/drawing/2014/main" xmlns="" id="{EEFFF07B-BC48-40C0-9D17-4D82550F67AF}"/>
+                <a16:creationId xmlns="" xmlns:a16="http://schemas.microsoft.com/office/drawing/2014/main" id="{EEFFF07B-BC48-40C0-9D17-4D82550F67AF}"/>
               </a:ext>
             </a:extLst>
           </p:cNvPr>
@@ -5637,7 +5510,7 @@
           <p:cNvPr id="5" name="Shape 123">
             <a:extLst>
               <a:ext uri="{FF2B5EF4-FFF2-40B4-BE49-F238E27FC236}">
-                <a16:creationId xmlns:a16="http://schemas.microsoft.com/office/drawing/2014/main" xmlns="" id="{FDE81557-1C9E-4CD3-8705-E36FB91A4B7D}"/>
+                <a16:creationId xmlns="" xmlns:a16="http://schemas.microsoft.com/office/drawing/2014/main" id="{FDE81557-1C9E-4CD3-8705-E36FB91A4B7D}"/>
               </a:ext>
             </a:extLst>
           </p:cNvPr>
@@ -5670,7 +5543,7 @@
           <p:cNvPr id="6" name="TextBox 5">
             <a:extLst>
               <a:ext uri="{FF2B5EF4-FFF2-40B4-BE49-F238E27FC236}">
-                <a16:creationId xmlns:a16="http://schemas.microsoft.com/office/drawing/2014/main" xmlns="" id="{B87A0BA6-BA2A-439E-BE34-9B5BBBAFA391}"/>
+                <a16:creationId xmlns="" xmlns:a16="http://schemas.microsoft.com/office/drawing/2014/main" id="{B87A0BA6-BA2A-439E-BE34-9B5BBBAFA391}"/>
               </a:ext>
             </a:extLst>
           </p:cNvPr>
@@ -5829,7 +5702,7 @@
           <p:cNvPr id="7" name="TextBox 6">
             <a:extLst>
               <a:ext uri="{FF2B5EF4-FFF2-40B4-BE49-F238E27FC236}">
-                <a16:creationId xmlns:a16="http://schemas.microsoft.com/office/drawing/2014/main" xmlns="" id="{23D8B938-0B89-4578-9D5D-137414FF4F35}"/>
+                <a16:creationId xmlns="" xmlns:a16="http://schemas.microsoft.com/office/drawing/2014/main" id="{23D8B938-0B89-4578-9D5D-137414FF4F35}"/>
               </a:ext>
             </a:extLst>
           </p:cNvPr>
@@ -5885,7 +5758,7 @@
 </p:sld>
 </file>
 
-<file path=ppt/slides/slide6.xml><?xml version="1.0" encoding="utf-8"?>
+<file path=ppt/slides/slide5.xml><?xml version="1.0" encoding="utf-8"?>
 <p:sld xmlns:a="http://schemas.openxmlformats.org/drawingml/2006/main" xmlns:r="http://schemas.openxmlformats.org/officeDocument/2006/relationships" xmlns:p="http://schemas.openxmlformats.org/presentationml/2006/main">
   <p:cSld>
     <p:spTree>
@@ -5907,7 +5780,7 @@
           <p:cNvPr id="4" name="TextBox 3">
             <a:extLst>
               <a:ext uri="{FF2B5EF4-FFF2-40B4-BE49-F238E27FC236}">
-                <a16:creationId xmlns:a16="http://schemas.microsoft.com/office/drawing/2014/main" xmlns="" id="{EEFFF07B-BC48-40C0-9D17-4D82550F67AF}"/>
+                <a16:creationId xmlns="" xmlns:a16="http://schemas.microsoft.com/office/drawing/2014/main" id="{EEFFF07B-BC48-40C0-9D17-4D82550F67AF}"/>
               </a:ext>
             </a:extLst>
           </p:cNvPr>
@@ -5953,7 +5826,7 @@
           <p:cNvPr id="5" name="Shape 123">
             <a:extLst>
               <a:ext uri="{FF2B5EF4-FFF2-40B4-BE49-F238E27FC236}">
-                <a16:creationId xmlns:a16="http://schemas.microsoft.com/office/drawing/2014/main" xmlns="" id="{FDE81557-1C9E-4CD3-8705-E36FB91A4B7D}"/>
+                <a16:creationId xmlns="" xmlns:a16="http://schemas.microsoft.com/office/drawing/2014/main" id="{FDE81557-1C9E-4CD3-8705-E36FB91A4B7D}"/>
               </a:ext>
             </a:extLst>
           </p:cNvPr>
@@ -5986,7 +5859,7 @@
           <p:cNvPr id="7" name="TextBox 6">
             <a:extLst>
               <a:ext uri="{FF2B5EF4-FFF2-40B4-BE49-F238E27FC236}">
-                <a16:creationId xmlns:a16="http://schemas.microsoft.com/office/drawing/2014/main" xmlns="" id="{23D8B938-0B89-4578-9D5D-137414FF4F35}"/>
+                <a16:creationId xmlns="" xmlns:a16="http://schemas.microsoft.com/office/drawing/2014/main" id="{23D8B938-0B89-4578-9D5D-137414FF4F35}"/>
               </a:ext>
             </a:extLst>
           </p:cNvPr>
@@ -6034,7 +5907,7 @@
           <p:cNvPr id="6148" name="Picture 4" descr="https://raw.githubusercontent.com/EddyMjay/Aurora-Borealis-Team-CSA-05/master/time_ace.JPG?token=AS49qp2lu5z-9dCDh_c_isNrPlH7mmAIks5b1dSwwA%3D%3D">
             <a:extLst>
               <a:ext uri="{FF2B5EF4-FFF2-40B4-BE49-F238E27FC236}">
-                <a16:creationId xmlns:a16="http://schemas.microsoft.com/office/drawing/2014/main" xmlns="" id="{216A071E-3105-4ED6-B550-EBBF1BEC0C77}"/>
+                <a16:creationId xmlns="" xmlns:a16="http://schemas.microsoft.com/office/drawing/2014/main" id="{216A071E-3105-4ED6-B550-EBBF1BEC0C77}"/>
               </a:ext>
             </a:extLst>
           </p:cNvPr>
@@ -6081,7 +5954,7 @@
           <p:cNvPr id="6152" name="Picture 8" descr="https://raw.githubusercontent.com/EddyMjay/Aurora-Borealis-Team-CSA-05/master/time_ground.JPG?token=AS49qvM7QPOpqRGlMSoAFU5PR_WwxX5xks5b1dTwwA%3D%3D">
             <a:extLst>
               <a:ext uri="{FF2B5EF4-FFF2-40B4-BE49-F238E27FC236}">
-                <a16:creationId xmlns:a16="http://schemas.microsoft.com/office/drawing/2014/main" xmlns="" id="{4803D8B0-5D2C-4EF9-AFCE-A5E79E157683}"/>
+                <a16:creationId xmlns="" xmlns:a16="http://schemas.microsoft.com/office/drawing/2014/main" id="{4803D8B0-5D2C-4EF9-AFCE-A5E79E157683}"/>
               </a:ext>
             </a:extLst>
           </p:cNvPr>
@@ -6136,7 +6009,7 @@
 </p:sld>
 </file>
 
-<file path=ppt/slides/slide7.xml><?xml version="1.0" encoding="utf-8"?>
+<file path=ppt/slides/slide6.xml><?xml version="1.0" encoding="utf-8"?>
 <p:sld xmlns:a="http://schemas.openxmlformats.org/drawingml/2006/main" xmlns:r="http://schemas.openxmlformats.org/officeDocument/2006/relationships" xmlns:p="http://schemas.openxmlformats.org/presentationml/2006/main">
   <p:cSld>
     <p:spTree>
@@ -6158,7 +6031,7 @@
           <p:cNvPr id="4" name="TextBox 3">
             <a:extLst>
               <a:ext uri="{FF2B5EF4-FFF2-40B4-BE49-F238E27FC236}">
-                <a16:creationId xmlns:a16="http://schemas.microsoft.com/office/drawing/2014/main" xmlns="" id="{EEFFF07B-BC48-40C0-9D17-4D82550F67AF}"/>
+                <a16:creationId xmlns="" xmlns:a16="http://schemas.microsoft.com/office/drawing/2014/main" id="{EEFFF07B-BC48-40C0-9D17-4D82550F67AF}"/>
               </a:ext>
             </a:extLst>
           </p:cNvPr>
@@ -6204,7 +6077,7 @@
           <p:cNvPr id="5" name="Shape 123">
             <a:extLst>
               <a:ext uri="{FF2B5EF4-FFF2-40B4-BE49-F238E27FC236}">
-                <a16:creationId xmlns:a16="http://schemas.microsoft.com/office/drawing/2014/main" xmlns="" id="{FDE81557-1C9E-4CD3-8705-E36FB91A4B7D}"/>
+                <a16:creationId xmlns="" xmlns:a16="http://schemas.microsoft.com/office/drawing/2014/main" id="{FDE81557-1C9E-4CD3-8705-E36FB91A4B7D}"/>
               </a:ext>
             </a:extLst>
           </p:cNvPr>
